--- a/docs/Praesentation_Prototyp/end_cookingconsultant.pptx
+++ b/docs/Praesentation_Prototyp/end_cookingconsultant.pptx
@@ -215,7 +215,7 @@
             <a:pPr rtl="0"/>
             <a:fld id="{DBD0EB98-3F07-4B95-B4E8-DB31C97F4031}" type="datetime1">
               <a:rPr lang="de-DE" smtClean="0"/>
-              <a:t>14.01.2020</a:t>
+              <a:t>15.01.2020</a:t>
             </a:fld>
             <a:endParaRPr lang="de-DE" dirty="0"/>
           </a:p>
@@ -384,7 +384,7 @@
             <a:fld id="{E5766E39-693B-4DD0-8612-6EBA869C40DF}" type="datetime1">
               <a:rPr lang="de-DE" smtClean="0"/>
               <a:pPr/>
-              <a:t>14.01.2020</a:t>
+              <a:t>15.01.2020</a:t>
             </a:fld>
             <a:endParaRPr lang="de-DE" dirty="0"/>
           </a:p>
@@ -939,7 +939,7 @@
             <a:pPr rtl="0"/>
             <a:fld id="{0FA306BB-85CC-4D4B-8C03-044CAE991E9C}" type="datetime1">
               <a:rPr lang="de-DE" noProof="0" smtClean="0"/>
-              <a:t>14.01.2020</a:t>
+              <a:t>15.01.2020</a:t>
             </a:fld>
             <a:endParaRPr lang="de-DE" noProof="0" dirty="0"/>
           </a:p>
@@ -1159,7 +1159,7 @@
             <a:pPr rtl="0"/>
             <a:fld id="{1812C858-ABFD-482C-8B16-DAB8DE9F6C02}" type="datetime1">
               <a:rPr lang="de-DE" noProof="0" smtClean="0"/>
-              <a:t>14.01.2020</a:t>
+              <a:t>15.01.2020</a:t>
             </a:fld>
             <a:endParaRPr lang="de-DE" noProof="0" dirty="0"/>
           </a:p>
@@ -1338,7 +1338,7 @@
             <a:pPr rtl="0"/>
             <a:fld id="{79A20BCE-F330-4347-B53C-F7CE42E70391}" type="datetime1">
               <a:rPr lang="de-DE" noProof="0" smtClean="0"/>
-              <a:t>14.01.2020</a:t>
+              <a:t>15.01.2020</a:t>
             </a:fld>
             <a:endParaRPr lang="de-DE" noProof="0" dirty="0"/>
           </a:p>
@@ -1507,7 +1507,7 @@
             <a:pPr rtl="0"/>
             <a:fld id="{657C7425-97B9-4E50-ABBC-59A039D558BD}" type="datetime1">
               <a:rPr lang="de-DE" noProof="0" smtClean="0"/>
-              <a:t>14.01.2020</a:t>
+              <a:t>15.01.2020</a:t>
             </a:fld>
             <a:endParaRPr lang="de-DE" noProof="0" dirty="0"/>
           </a:p>
@@ -1757,7 +1757,7 @@
             <a:pPr rtl="0"/>
             <a:fld id="{081C6786-D0E9-4C88-8882-2B797EA2F34B}" type="datetime1">
               <a:rPr lang="de-DE" noProof="0" smtClean="0"/>
-              <a:t>14.01.2020</a:t>
+              <a:t>15.01.2020</a:t>
             </a:fld>
             <a:endParaRPr lang="de-DE" noProof="0" dirty="0"/>
           </a:p>
@@ -2079,7 +2079,7 @@
             <a:pPr rtl="0"/>
             <a:fld id="{29A92048-A210-4766-B035-62701B861C6C}" type="datetime1">
               <a:rPr lang="de-DE" noProof="0" smtClean="0"/>
-              <a:t>14.01.2020</a:t>
+              <a:t>15.01.2020</a:t>
             </a:fld>
             <a:endParaRPr lang="de-DE" noProof="0" dirty="0"/>
           </a:p>
@@ -2502,7 +2502,7 @@
             <a:pPr rtl="0"/>
             <a:fld id="{7FFD6DBB-5BA2-4D09-92F2-D64678E972D9}" type="datetime1">
               <a:rPr lang="de-DE" noProof="0" smtClean="0"/>
-              <a:t>14.01.2020</a:t>
+              <a:t>15.01.2020</a:t>
             </a:fld>
             <a:endParaRPr lang="de-DE" noProof="0" dirty="0"/>
           </a:p>
@@ -2619,7 +2619,7 @@
             <a:pPr rtl="0"/>
             <a:fld id="{50736969-CDBB-4E7A-8E25-B0DC6858035E}" type="datetime1">
               <a:rPr lang="de-DE" noProof="0" smtClean="0"/>
-              <a:t>14.01.2020</a:t>
+              <a:t>15.01.2020</a:t>
             </a:fld>
             <a:endParaRPr lang="de-DE" noProof="0" dirty="0"/>
           </a:p>
@@ -2712,7 +2712,7 @@
             <a:pPr rtl="0"/>
             <a:fld id="{1079CB63-0B86-485A-8E1D-08D837502F9A}" type="datetime1">
               <a:rPr lang="de-DE" noProof="0" smtClean="0"/>
-              <a:t>14.01.2020</a:t>
+              <a:t>15.01.2020</a:t>
             </a:fld>
             <a:endParaRPr lang="de-DE" noProof="0" dirty="0"/>
           </a:p>
@@ -3001,7 +3001,7 @@
             <a:pPr rtl="0"/>
             <a:fld id="{0C4FA3C1-A604-40D2-8F36-3DA26D297CBB}" type="datetime1">
               <a:rPr lang="de-DE" noProof="0" smtClean="0"/>
-              <a:t>14.01.2020</a:t>
+              <a:t>15.01.2020</a:t>
             </a:fld>
             <a:endParaRPr lang="de-DE" noProof="0" dirty="0"/>
           </a:p>
@@ -3273,7 +3273,7 @@
             <a:pPr rtl="0"/>
             <a:fld id="{6554B8C7-6407-45FB-82BF-AA079EAE7014}" type="datetime1">
               <a:rPr lang="de-DE" noProof="0" smtClean="0"/>
-              <a:t>14.01.2020</a:t>
+              <a:t>15.01.2020</a:t>
             </a:fld>
             <a:endParaRPr lang="de-DE" noProof="0" dirty="0"/>
           </a:p>
@@ -3524,7 +3524,7 @@
             <a:pPr rtl="0"/>
             <a:fld id="{F6D43D9E-BAA4-4A26-BD49-007AC954F379}" type="datetime1">
               <a:rPr lang="de-DE" noProof="0" smtClean="0"/>
-              <a:t>14.01.2020</a:t>
+              <a:t>15.01.2020</a:t>
             </a:fld>
             <a:endParaRPr lang="de-DE" noProof="0" dirty="0"/>
           </a:p>
@@ -4666,7 +4666,7 @@
             </a:pPr>
             <a:r>
               <a:rPr lang="de-DE" dirty="0"/>
-              <a:t>Zusammenfassung der Feature</a:t>
+              <a:t>Zusammenfassung der Features</a:t>
             </a:r>
           </a:p>
           <a:p>
@@ -4710,7 +4710,7 @@
             </a:pPr>
             <a:r>
               <a:rPr lang="de-DE" dirty="0"/>
-              <a:t>Reflektion</a:t>
+              <a:t>Reflexion</a:t>
             </a:r>
           </a:p>
         </p:txBody>
@@ -4808,28 +4808,44 @@
             <a:endParaRPr lang="de-DE" dirty="0"/>
           </a:p>
           <a:p>
-            <a:pPr lvl="1"/>
+            <a:pPr lvl="1">
+              <a:lnSpc>
+                <a:spcPct val="150000"/>
+              </a:lnSpc>
+            </a:pPr>
             <a:r>
               <a:rPr lang="de-DE" dirty="0"/>
               <a:t>Rezept anlegen</a:t>
             </a:r>
           </a:p>
           <a:p>
-            <a:pPr lvl="1"/>
+            <a:pPr lvl="1">
+              <a:lnSpc>
+                <a:spcPct val="150000"/>
+              </a:lnSpc>
+            </a:pPr>
             <a:r>
               <a:rPr lang="de-DE" dirty="0"/>
               <a:t>Rezept anzeigen</a:t>
             </a:r>
           </a:p>
           <a:p>
-            <a:pPr lvl="1"/>
+            <a:pPr lvl="1">
+              <a:lnSpc>
+                <a:spcPct val="150000"/>
+              </a:lnSpc>
+            </a:pPr>
             <a:r>
               <a:rPr lang="de-DE" dirty="0"/>
               <a:t>Datenbank</a:t>
             </a:r>
           </a:p>
           <a:p>
-            <a:pPr lvl="1"/>
+            <a:pPr lvl="1">
+              <a:lnSpc>
+                <a:spcPct val="150000"/>
+              </a:lnSpc>
+            </a:pPr>
             <a:r>
               <a:rPr lang="de-DE" dirty="0"/>
               <a:t>Nach Rezept filtern in der Android Applikation</a:t>
@@ -5413,35 +5429,55 @@
             <a:endParaRPr lang="de-DE" dirty="0"/>
           </a:p>
           <a:p>
-            <a:pPr lvl="1"/>
+            <a:pPr lvl="1">
+              <a:lnSpc>
+                <a:spcPct val="150000"/>
+              </a:lnSpc>
+            </a:pPr>
             <a:r>
               <a:rPr lang="de-DE" dirty="0"/>
               <a:t>Admin Login</a:t>
             </a:r>
           </a:p>
           <a:p>
-            <a:pPr lvl="1"/>
+            <a:pPr lvl="1">
+              <a:lnSpc>
+                <a:spcPct val="150000"/>
+              </a:lnSpc>
+            </a:pPr>
             <a:r>
               <a:rPr lang="de-DE" dirty="0"/>
               <a:t>Picture Upload</a:t>
             </a:r>
           </a:p>
           <a:p>
-            <a:pPr lvl="1"/>
+            <a:pPr lvl="1">
+              <a:lnSpc>
+                <a:spcPct val="150000"/>
+              </a:lnSpc>
+            </a:pPr>
             <a:r>
               <a:rPr lang="de-DE" dirty="0"/>
               <a:t>Nutzer registrieren</a:t>
             </a:r>
           </a:p>
           <a:p>
-            <a:pPr lvl="1"/>
+            <a:pPr lvl="1">
+              <a:lnSpc>
+                <a:spcPct val="150000"/>
+              </a:lnSpc>
+            </a:pPr>
             <a:r>
               <a:rPr lang="de-DE" dirty="0"/>
               <a:t>Einkaufsliste</a:t>
             </a:r>
           </a:p>
           <a:p>
-            <a:pPr lvl="1"/>
+            <a:pPr lvl="1">
+              <a:lnSpc>
+                <a:spcPct val="150000"/>
+              </a:lnSpc>
+            </a:pPr>
             <a:r>
               <a:rPr lang="de-DE" dirty="0" err="1"/>
               <a:t>Shoplocator</a:t>
@@ -5449,7 +5485,11 @@
             <a:endParaRPr lang="de-DE" dirty="0"/>
           </a:p>
           <a:p>
-            <a:pPr lvl="1"/>
+            <a:pPr lvl="1">
+              <a:lnSpc>
+                <a:spcPct val="150000"/>
+              </a:lnSpc>
+            </a:pPr>
             <a:r>
               <a:rPr lang="de-DE" dirty="0" err="1"/>
               <a:t>Step</a:t>
@@ -6187,7 +6227,7 @@
           <a:p>
             <a:r>
               <a:rPr lang="de-DE" dirty="0"/>
-              <a:t>Reflektion</a:t>
+              <a:t>Reflexion</a:t>
             </a:r>
           </a:p>
         </p:txBody>
@@ -6210,54 +6250,90 @@
         </p:nvSpPr>
         <p:spPr/>
         <p:txBody>
-          <a:bodyPr/>
+          <a:bodyPr>
+            <a:normAutofit fontScale="92500" lnSpcReduction="10000"/>
+          </a:bodyPr>
           <a:lstStyle/>
           <a:p>
+            <a:pPr>
+              <a:lnSpc>
+                <a:spcPct val="150000"/>
+              </a:lnSpc>
+            </a:pPr>
             <a:r>
               <a:rPr lang="de-DE" dirty="0"/>
               <a:t>Projekt</a:t>
             </a:r>
           </a:p>
           <a:p>
-            <a:pPr lvl="1"/>
+            <a:pPr lvl="1">
+              <a:lnSpc>
+                <a:spcPct val="150000"/>
+              </a:lnSpc>
+            </a:pPr>
             <a:r>
               <a:rPr lang="de-DE" dirty="0"/>
               <a:t>Relationale Datenbank nicht optimal </a:t>
             </a:r>
           </a:p>
           <a:p>
-            <a:pPr lvl="1"/>
+            <a:pPr lvl="1">
+              <a:lnSpc>
+                <a:spcPct val="150000"/>
+              </a:lnSpc>
+            </a:pPr>
             <a:r>
               <a:rPr lang="de-DE" dirty="0"/>
               <a:t>Lizenzen für Bilder</a:t>
             </a:r>
           </a:p>
           <a:p>
-            <a:pPr lvl="1"/>
+            <a:pPr lvl="1">
+              <a:lnSpc>
+                <a:spcPct val="150000"/>
+              </a:lnSpc>
+            </a:pPr>
             <a:r>
               <a:rPr lang="de-DE" dirty="0"/>
               <a:t>Praktischer Nutzen</a:t>
             </a:r>
           </a:p>
           <a:p>
-            <a:pPr lvl="1"/>
+            <a:pPr lvl="1">
+              <a:lnSpc>
+                <a:spcPct val="150000"/>
+              </a:lnSpc>
+            </a:pPr>
             <a:endParaRPr lang="de-DE" dirty="0"/>
           </a:p>
           <a:p>
+            <a:pPr>
+              <a:lnSpc>
+                <a:spcPct val="150000"/>
+              </a:lnSpc>
+            </a:pPr>
             <a:r>
               <a:rPr lang="de-DE" dirty="0"/>
               <a:t>Team</a:t>
             </a:r>
           </a:p>
           <a:p>
-            <a:pPr lvl="1"/>
+            <a:pPr lvl="1">
+              <a:lnSpc>
+                <a:spcPct val="150000"/>
+              </a:lnSpc>
+            </a:pPr>
             <a:r>
               <a:rPr lang="de-DE" dirty="0"/>
               <a:t>Verlust eines Teammitglied (Verriegelung)</a:t>
             </a:r>
           </a:p>
           <a:p>
-            <a:pPr lvl="1"/>
+            <a:pPr lvl="1">
+              <a:lnSpc>
+                <a:spcPct val="150000"/>
+              </a:lnSpc>
+            </a:pPr>
             <a:r>
               <a:rPr lang="de-DE" dirty="0"/>
               <a:t>Gute Zusammenarbeit</a:t>
@@ -6697,7 +6773,7 @@
           <a:p>
             <a:r>
               <a:rPr lang="de-DE" dirty="0"/>
-              <a:t>Reflektion</a:t>
+              <a:t>Reflexion</a:t>
             </a:r>
           </a:p>
         </p:txBody>
@@ -6725,54 +6801,90 @@
           </a:xfrm>
         </p:spPr>
         <p:txBody>
-          <a:bodyPr/>
+          <a:bodyPr>
+            <a:normAutofit fontScale="92500" lnSpcReduction="10000"/>
+          </a:bodyPr>
           <a:lstStyle/>
           <a:p>
+            <a:pPr>
+              <a:lnSpc>
+                <a:spcPct val="150000"/>
+              </a:lnSpc>
+            </a:pPr>
             <a:r>
               <a:rPr lang="de-DE" dirty="0"/>
               <a:t>Betreuer</a:t>
             </a:r>
           </a:p>
           <a:p>
-            <a:pPr lvl="1"/>
+            <a:pPr lvl="1">
+              <a:lnSpc>
+                <a:spcPct val="150000"/>
+              </a:lnSpc>
+            </a:pPr>
             <a:r>
               <a:rPr lang="de-DE" dirty="0"/>
               <a:t>Nah an der Realität</a:t>
             </a:r>
           </a:p>
           <a:p>
-            <a:pPr lvl="1"/>
+            <a:pPr lvl="1">
+              <a:lnSpc>
+                <a:spcPct val="150000"/>
+              </a:lnSpc>
+            </a:pPr>
             <a:r>
               <a:rPr lang="de-DE" dirty="0"/>
               <a:t>Spätes Festlegen auf den Umfang</a:t>
             </a:r>
           </a:p>
           <a:p>
-            <a:pPr lvl="1"/>
+            <a:pPr lvl="1">
+              <a:lnSpc>
+                <a:spcPct val="150000"/>
+              </a:lnSpc>
+            </a:pPr>
             <a:endParaRPr lang="de-DE" dirty="0"/>
           </a:p>
           <a:p>
+            <a:pPr>
+              <a:lnSpc>
+                <a:spcPct val="150000"/>
+              </a:lnSpc>
+            </a:pPr>
             <a:r>
               <a:rPr lang="de-DE" dirty="0"/>
               <a:t>Praktikum Organisation</a:t>
             </a:r>
           </a:p>
           <a:p>
-            <a:pPr lvl="1"/>
+            <a:pPr lvl="1">
+              <a:lnSpc>
+                <a:spcPct val="150000"/>
+              </a:lnSpc>
+            </a:pPr>
             <a:r>
               <a:rPr lang="de-DE" dirty="0"/>
               <a:t>Früher Beginn der Bewerbung</a:t>
             </a:r>
           </a:p>
           <a:p>
-            <a:pPr lvl="1"/>
+            <a:pPr lvl="1">
+              <a:lnSpc>
+                <a:spcPct val="150000"/>
+              </a:lnSpc>
+            </a:pPr>
             <a:r>
               <a:rPr lang="de-DE" dirty="0"/>
               <a:t>Mehr Zeit für Endprodukt</a:t>
             </a:r>
           </a:p>
           <a:p>
-            <a:pPr lvl="1"/>
+            <a:pPr lvl="1">
+              <a:lnSpc>
+                <a:spcPct val="150000"/>
+              </a:lnSpc>
+            </a:pPr>
             <a:r>
               <a:rPr lang="de-DE" dirty="0"/>
               <a:t>Dokumentation als Code </a:t>
@@ -8093,6 +8205,14 @@
 </file>
 
 <file path=customXml/item2.xml><?xml version="1.0" encoding="utf-8"?>
+<p:properties xmlns:p="http://schemas.microsoft.com/office/2006/metadata/properties" xmlns:xsi="http://www.w3.org/2001/XMLSchema-instance" xmlns:pc="http://schemas.microsoft.com/office/infopath/2007/PartnerControls">
+  <documentManagement>
+    <MediaServiceKeyPoints xmlns="71af3243-3dd4-4a8d-8c0d-dd76da1f02a5" xsi:nil="true"/>
+  </documentManagement>
+</p:properties>
+</file>
+
+<file path=customXml/item3.xml><?xml version="1.0" encoding="utf-8"?>
 <ct:contentTypeSchema xmlns:ct="http://schemas.microsoft.com/office/2006/metadata/contentType" xmlns:ma="http://schemas.microsoft.com/office/2006/metadata/properties/metaAttributes" ct:_="" ma:_="" ma:contentTypeName="Document" ma:contentTypeID="0x01010079F111ED35F8CC479449609E8A0923A6" ma:contentTypeVersion="11" ma:contentTypeDescription="Create a new document." ma:contentTypeScope="" ma:versionID="9677210f24a1be23c92c90fd886aa0aa">
   <xsd:schema xmlns:xsd="http://www.w3.org/2001/XMLSchema" xmlns:xs="http://www.w3.org/2001/XMLSchema" xmlns:p="http://schemas.microsoft.com/office/2006/metadata/properties" xmlns:ns2="71af3243-3dd4-4a8d-8c0d-dd76da1f02a5" xmlns:ns3="16c05727-aa75-4e4a-9b5f-8a80a1165891" targetNamespace="http://schemas.microsoft.com/office/2006/metadata/properties" ma:root="true" ma:fieldsID="60e05723c5c1908df1a1a4ebf11d344e" ns2:_="" ns3:_="">
     <xsd:import namespace="71af3243-3dd4-4a8d-8c0d-dd76da1f02a5"/>
@@ -8303,14 +8423,6 @@
 </ct:contentTypeSchema>
 </file>
 
-<file path=customXml/item3.xml><?xml version="1.0" encoding="utf-8"?>
-<p:properties xmlns:p="http://schemas.microsoft.com/office/2006/metadata/properties" xmlns:xsi="http://www.w3.org/2001/XMLSchema-instance" xmlns:pc="http://schemas.microsoft.com/office/infopath/2007/PartnerControls">
-  <documentManagement>
-    <MediaServiceKeyPoints xmlns="71af3243-3dd4-4a8d-8c0d-dd76da1f02a5" xsi:nil="true"/>
-  </documentManagement>
-</p:properties>
-</file>
-
 <file path=customXml/itemProps1.xml><?xml version="1.0" encoding="utf-8"?>
 <ds:datastoreItem xmlns:ds="http://schemas.openxmlformats.org/officeDocument/2006/customXml" ds:itemID="{F465D742-03F8-4A07-AD44-2F5940A96098}">
   <ds:schemaRefs>
@@ -8320,6 +8432,16 @@
 </file>
 
 <file path=customXml/itemProps2.xml><?xml version="1.0" encoding="utf-8"?>
+<ds:datastoreItem xmlns:ds="http://schemas.openxmlformats.org/officeDocument/2006/customXml" ds:itemID="{E0915EF7-B9F6-4EB7-AA4F-557BE6AB702C}">
+  <ds:schemaRefs>
+    <ds:schemaRef ds:uri="http://schemas.microsoft.com/office/2006/metadata/properties"/>
+    <ds:schemaRef ds:uri="http://schemas.microsoft.com/office/infopath/2007/PartnerControls"/>
+    <ds:schemaRef ds:uri="71af3243-3dd4-4a8d-8c0d-dd76da1f02a5"/>
+  </ds:schemaRefs>
+</ds:datastoreItem>
+</file>
+
+<file path=customXml/itemProps3.xml><?xml version="1.0" encoding="utf-8"?>
 <ds:datastoreItem xmlns:ds="http://schemas.openxmlformats.org/officeDocument/2006/customXml" ds:itemID="{6928E4D0-782D-4812-BE7D-AE5131FD375E}">
   <ds:schemaRefs>
     <ds:schemaRef ds:uri="http://schemas.microsoft.com/office/2006/metadata/contentType"/>
@@ -8336,14 +8458,4 @@
     <ds:schemaRef ds:uri="http://schemas.microsoft.com/internal/obd"/>
   </ds:schemaRefs>
 </ds:datastoreItem>
-</file>
-
-<file path=customXml/itemProps3.xml><?xml version="1.0" encoding="utf-8"?>
-<ds:datastoreItem xmlns:ds="http://schemas.openxmlformats.org/officeDocument/2006/customXml" ds:itemID="{E0915EF7-B9F6-4EB7-AA4F-557BE6AB702C}">
-  <ds:schemaRefs>
-    <ds:schemaRef ds:uri="http://schemas.microsoft.com/office/2006/metadata/properties"/>
-    <ds:schemaRef ds:uri="http://schemas.microsoft.com/office/infopath/2007/PartnerControls"/>
-    <ds:schemaRef ds:uri="71af3243-3dd4-4a8d-8c0d-dd76da1f02a5"/>
-  </ds:schemaRefs>
-</ds:datastoreItem>
 </file>